--- a/port_versions/ping-pong-demo.pptx
+++ b/port_versions/ping-pong-demo.pptx
@@ -9,6 +9,8 @@
     <p:sldId id="257" r:id="rId3"/>
     <p:sldId id="258" r:id="rId4"/>
     <p:sldId id="259" r:id="rId5"/>
+    <p:sldId id="260" r:id="rId6"/>
+    <p:sldId id="261" r:id="rId7"/>
   </p:sldIdLst>
   <p:sldSz cx="12192000" cy="6858000"/>
   <p:notesSz cx="6858000" cy="9144000"/>
@@ -107,7 +109,16 @@
       </a:defRPr>
     </a:lvl9pPr>
   </p:defaultTextStyle>
+  <p:extLst>
+    <p:ext uri="{EFAFB233-063F-42B5-8137-9DF3F51BA10A}">
+      <p15:sldGuideLst xmlns:p15="http://schemas.microsoft.com/office/powerpoint/2012/main"/>
+    </p:ext>
+  </p:extLst>
 </p:presentation>
+</file>
+
+<file path=ppt/revisionInfo.xml><?xml version="1.0" encoding="utf-8"?>
+<p1510:revInfo xmlns:a="http://schemas.openxmlformats.org/drawingml/2006/main" xmlns:r="http://schemas.openxmlformats.org/officeDocument/2006/relationships" xmlns:p1510="http://schemas.microsoft.com/office/powerpoint/2015/10/main"/>
 </file>
 
 <file path=ppt/slideLayouts/slideLayout1.xml><?xml version="1.0" encoding="utf-8"?>
@@ -257,7 +268,7 @@
           <a:p>
             <a:fld id="{430E6126-3021-42AB-82F0-0A73F9DC5566}" type="datetimeFigureOut">
               <a:rPr lang="hu-HU" smtClean="0"/>
-              <a:t>2018. 01. 14.</a:t>
+              <a:t>2018. 01. 15.</a:t>
             </a:fld>
             <a:endParaRPr lang="hu-HU"/>
           </a:p>
@@ -455,7 +466,7 @@
           <a:p>
             <a:fld id="{430E6126-3021-42AB-82F0-0A73F9DC5566}" type="datetimeFigureOut">
               <a:rPr lang="hu-HU" smtClean="0"/>
-              <a:t>2018. 01. 14.</a:t>
+              <a:t>2018. 01. 15.</a:t>
             </a:fld>
             <a:endParaRPr lang="hu-HU"/>
           </a:p>
@@ -663,7 +674,7 @@
           <a:p>
             <a:fld id="{430E6126-3021-42AB-82F0-0A73F9DC5566}" type="datetimeFigureOut">
               <a:rPr lang="hu-HU" smtClean="0"/>
-              <a:t>2018. 01. 14.</a:t>
+              <a:t>2018. 01. 15.</a:t>
             </a:fld>
             <a:endParaRPr lang="hu-HU"/>
           </a:p>
@@ -861,7 +872,7 @@
           <a:p>
             <a:fld id="{430E6126-3021-42AB-82F0-0A73F9DC5566}" type="datetimeFigureOut">
               <a:rPr lang="hu-HU" smtClean="0"/>
-              <a:t>2018. 01. 14.</a:t>
+              <a:t>2018. 01. 15.</a:t>
             </a:fld>
             <a:endParaRPr lang="hu-HU"/>
           </a:p>
@@ -1136,7 +1147,7 @@
           <a:p>
             <a:fld id="{430E6126-3021-42AB-82F0-0A73F9DC5566}" type="datetimeFigureOut">
               <a:rPr lang="hu-HU" smtClean="0"/>
-              <a:t>2018. 01. 14.</a:t>
+              <a:t>2018. 01. 15.</a:t>
             </a:fld>
             <a:endParaRPr lang="hu-HU"/>
           </a:p>
@@ -1401,7 +1412,7 @@
           <a:p>
             <a:fld id="{430E6126-3021-42AB-82F0-0A73F9DC5566}" type="datetimeFigureOut">
               <a:rPr lang="hu-HU" smtClean="0"/>
-              <a:t>2018. 01. 14.</a:t>
+              <a:t>2018. 01. 15.</a:t>
             </a:fld>
             <a:endParaRPr lang="hu-HU"/>
           </a:p>
@@ -1813,7 +1824,7 @@
           <a:p>
             <a:fld id="{430E6126-3021-42AB-82F0-0A73F9DC5566}" type="datetimeFigureOut">
               <a:rPr lang="hu-HU" smtClean="0"/>
-              <a:t>2018. 01. 14.</a:t>
+              <a:t>2018. 01. 15.</a:t>
             </a:fld>
             <a:endParaRPr lang="hu-HU"/>
           </a:p>
@@ -1954,7 +1965,7 @@
           <a:p>
             <a:fld id="{430E6126-3021-42AB-82F0-0A73F9DC5566}" type="datetimeFigureOut">
               <a:rPr lang="hu-HU" smtClean="0"/>
-              <a:t>2018. 01. 14.</a:t>
+              <a:t>2018. 01. 15.</a:t>
             </a:fld>
             <a:endParaRPr lang="hu-HU"/>
           </a:p>
@@ -2067,7 +2078,7 @@
           <a:p>
             <a:fld id="{430E6126-3021-42AB-82F0-0A73F9DC5566}" type="datetimeFigureOut">
               <a:rPr lang="hu-HU" smtClean="0"/>
-              <a:t>2018. 01. 14.</a:t>
+              <a:t>2018. 01. 15.</a:t>
             </a:fld>
             <a:endParaRPr lang="hu-HU"/>
           </a:p>
@@ -2378,7 +2389,7 @@
           <a:p>
             <a:fld id="{430E6126-3021-42AB-82F0-0A73F9DC5566}" type="datetimeFigureOut">
               <a:rPr lang="hu-HU" smtClean="0"/>
-              <a:t>2018. 01. 14.</a:t>
+              <a:t>2018. 01. 15.</a:t>
             </a:fld>
             <a:endParaRPr lang="hu-HU"/>
           </a:p>
@@ -2666,7 +2677,7 @@
           <a:p>
             <a:fld id="{430E6126-3021-42AB-82F0-0A73F9DC5566}" type="datetimeFigureOut">
               <a:rPr lang="hu-HU" smtClean="0"/>
-              <a:t>2018. 01. 14.</a:t>
+              <a:t>2018. 01. 15.</a:t>
             </a:fld>
             <a:endParaRPr lang="hu-HU"/>
           </a:p>
@@ -2907,7 +2918,7 @@
           <a:p>
             <a:fld id="{430E6126-3021-42AB-82F0-0A73F9DC5566}" type="datetimeFigureOut">
               <a:rPr lang="hu-HU" smtClean="0"/>
-              <a:t>2018. 01. 14.</a:t>
+              <a:t>2018. 01. 15.</a:t>
             </a:fld>
             <a:endParaRPr lang="hu-HU"/>
           </a:p>
@@ -3621,7 +3632,7 @@
         </p:nvSpPr>
         <p:spPr>
           <a:xfrm>
-            <a:off x="2850078" y="1541710"/>
+            <a:off x="2892199" y="1462916"/>
             <a:ext cx="2012870" cy="369332"/>
           </a:xfrm>
           <a:prstGeom prst="rect">
@@ -4292,6 +4303,263 @@
           </a:p>
         </p:txBody>
       </p:sp>
+      <p:cxnSp>
+        <p:nvCxnSpPr>
+          <p:cNvPr id="3" name="Egyenes összekötő nyíllal 2">
+            <a:extLst>
+              <a:ext uri="{FF2B5EF4-FFF2-40B4-BE49-F238E27FC236}">
+                <a16:creationId xmlns:a16="http://schemas.microsoft.com/office/drawing/2014/main" id="{91F984AC-08C9-4C4E-8AFF-D94F13A82A15}"/>
+              </a:ext>
+            </a:extLst>
+          </p:cNvPr>
+          <p:cNvCxnSpPr>
+            <a:cxnSpLocks/>
+          </p:cNvCxnSpPr>
+          <p:nvPr/>
+        </p:nvCxnSpPr>
+        <p:spPr>
+          <a:xfrm>
+            <a:off x="3508881" y="2177075"/>
+            <a:ext cx="177665" cy="844640"/>
+          </a:xfrm>
+          <a:prstGeom prst="straightConnector1">
+            <a:avLst/>
+          </a:prstGeom>
+          <a:ln>
+            <a:tailEnd type="triangle"/>
+          </a:ln>
+        </p:spPr>
+        <p:style>
+          <a:lnRef idx="1">
+            <a:schemeClr val="accent1"/>
+          </a:lnRef>
+          <a:fillRef idx="0">
+            <a:schemeClr val="accent1"/>
+          </a:fillRef>
+          <a:effectRef idx="0">
+            <a:schemeClr val="accent1"/>
+          </a:effectRef>
+          <a:fontRef idx="minor">
+            <a:schemeClr val="tx1"/>
+          </a:fontRef>
+        </p:style>
+      </p:cxnSp>
+      <p:sp>
+        <p:nvSpPr>
+          <p:cNvPr id="22" name="Szövegdoboz 21">
+            <a:extLst>
+              <a:ext uri="{FF2B5EF4-FFF2-40B4-BE49-F238E27FC236}">
+                <a16:creationId xmlns:a16="http://schemas.microsoft.com/office/drawing/2014/main" id="{C608A3ED-8205-4B8D-926C-4C98DFAEB5AD}"/>
+              </a:ext>
+            </a:extLst>
+          </p:cNvPr>
+          <p:cNvSpPr txBox="1"/>
+          <p:nvPr/>
+        </p:nvSpPr>
+        <p:spPr>
+          <a:xfrm>
+            <a:off x="1895785" y="1731153"/>
+            <a:ext cx="2371726" cy="830997"/>
+          </a:xfrm>
+          <a:prstGeom prst="rect">
+            <a:avLst/>
+          </a:prstGeom>
+          <a:noFill/>
+        </p:spPr>
+        <p:txBody>
+          <a:bodyPr wrap="square" rtlCol="0">
+            <a:spAutoFit/>
+          </a:bodyPr>
+          <a:lstStyle/>
+          <a:p>
+            <a:r>
+              <a:rPr lang="hu-HU" sz="1600" dirty="0"/>
+              <a:t>A </a:t>
+            </a:r>
+            <a:r>
+              <a:rPr lang="hu-HU" sz="1600" dirty="0" err="1"/>
+              <a:t>required</a:t>
+            </a:r>
+            <a:r>
+              <a:rPr lang="hu-HU" sz="1600" dirty="0"/>
+              <a:t>, </a:t>
+            </a:r>
+            <a:r>
+              <a:rPr lang="hu-HU" sz="1600" dirty="0" err="1"/>
+              <a:t>privded</a:t>
+            </a:r>
+            <a:r>
+              <a:rPr lang="hu-HU" sz="1600" dirty="0"/>
+              <a:t> rész azonos (szimmetrikus kapcsolat)</a:t>
+            </a:r>
+          </a:p>
+        </p:txBody>
+      </p:sp>
+      <p:cxnSp>
+        <p:nvCxnSpPr>
+          <p:cNvPr id="26" name="Egyenes összekötő nyíllal 25">
+            <a:extLst>
+              <a:ext uri="{FF2B5EF4-FFF2-40B4-BE49-F238E27FC236}">
+                <a16:creationId xmlns:a16="http://schemas.microsoft.com/office/drawing/2014/main" id="{5FC28EC1-4616-4B07-B4DB-ED00ED5A06C8}"/>
+              </a:ext>
+            </a:extLst>
+          </p:cNvPr>
+          <p:cNvCxnSpPr>
+            <a:cxnSpLocks/>
+          </p:cNvCxnSpPr>
+          <p:nvPr/>
+        </p:nvCxnSpPr>
+        <p:spPr>
+          <a:xfrm flipV="1">
+            <a:off x="1078567" y="3149374"/>
+            <a:ext cx="307878" cy="799171"/>
+          </a:xfrm>
+          <a:prstGeom prst="straightConnector1">
+            <a:avLst/>
+          </a:prstGeom>
+          <a:ln>
+            <a:tailEnd type="triangle"/>
+          </a:ln>
+        </p:spPr>
+        <p:style>
+          <a:lnRef idx="1">
+            <a:schemeClr val="accent1"/>
+          </a:lnRef>
+          <a:fillRef idx="0">
+            <a:schemeClr val="accent1"/>
+          </a:fillRef>
+          <a:effectRef idx="0">
+            <a:schemeClr val="accent1"/>
+          </a:effectRef>
+          <a:fontRef idx="minor">
+            <a:schemeClr val="tx1"/>
+          </a:fontRef>
+        </p:style>
+      </p:cxnSp>
+      <p:sp>
+        <p:nvSpPr>
+          <p:cNvPr id="34" name="Szövegdoboz 33">
+            <a:extLst>
+              <a:ext uri="{FF2B5EF4-FFF2-40B4-BE49-F238E27FC236}">
+                <a16:creationId xmlns:a16="http://schemas.microsoft.com/office/drawing/2014/main" id="{EF0B1DB8-F71F-4793-B12C-98FE215DA7B3}"/>
+              </a:ext>
+            </a:extLst>
+          </p:cNvPr>
+          <p:cNvSpPr txBox="1"/>
+          <p:nvPr/>
+        </p:nvSpPr>
+        <p:spPr>
+          <a:xfrm>
+            <a:off x="253806" y="3868730"/>
+            <a:ext cx="2948821" cy="830997"/>
+          </a:xfrm>
+          <a:prstGeom prst="rect">
+            <a:avLst/>
+          </a:prstGeom>
+          <a:noFill/>
+        </p:spPr>
+        <p:txBody>
+          <a:bodyPr wrap="square" rtlCol="0">
+            <a:spAutoFit/>
+          </a:bodyPr>
+          <a:lstStyle/>
+          <a:p>
+            <a:r>
+              <a:rPr lang="hu-HU" sz="1600" dirty="0"/>
+              <a:t>Egy példa arra, miért nem található ki előre a struktúra, miért kell </a:t>
+            </a:r>
+            <a:r>
+              <a:rPr lang="hu-HU" sz="1600" dirty="0" err="1"/>
+              <a:t>connect</a:t>
+            </a:r>
+            <a:endParaRPr lang="hu-HU" sz="1600" dirty="0"/>
+          </a:p>
+        </p:txBody>
+      </p:sp>
+      <p:cxnSp>
+        <p:nvCxnSpPr>
+          <p:cNvPr id="38" name="Egyenes összekötő nyíllal 37">
+            <a:extLst>
+              <a:ext uri="{FF2B5EF4-FFF2-40B4-BE49-F238E27FC236}">
+                <a16:creationId xmlns:a16="http://schemas.microsoft.com/office/drawing/2014/main" id="{9D3B1E5C-7F37-4536-92F4-96D62C6B7503}"/>
+              </a:ext>
+            </a:extLst>
+          </p:cNvPr>
+          <p:cNvCxnSpPr>
+            <a:cxnSpLocks/>
+          </p:cNvCxnSpPr>
+          <p:nvPr/>
+        </p:nvCxnSpPr>
+        <p:spPr>
+          <a:xfrm flipH="1">
+            <a:off x="6912556" y="1832248"/>
+            <a:ext cx="496416" cy="1189467"/>
+          </a:xfrm>
+          <a:prstGeom prst="straightConnector1">
+            <a:avLst/>
+          </a:prstGeom>
+          <a:ln>
+            <a:tailEnd type="triangle"/>
+          </a:ln>
+        </p:spPr>
+        <p:style>
+          <a:lnRef idx="1">
+            <a:schemeClr val="accent1"/>
+          </a:lnRef>
+          <a:fillRef idx="0">
+            <a:schemeClr val="accent1"/>
+          </a:fillRef>
+          <a:effectRef idx="0">
+            <a:schemeClr val="accent1"/>
+          </a:effectRef>
+          <a:fontRef idx="minor">
+            <a:schemeClr val="tx1"/>
+          </a:fontRef>
+        </p:style>
+      </p:cxnSp>
+      <p:sp>
+        <p:nvSpPr>
+          <p:cNvPr id="42" name="Szövegdoboz 41">
+            <a:extLst>
+              <a:ext uri="{FF2B5EF4-FFF2-40B4-BE49-F238E27FC236}">
+                <a16:creationId xmlns:a16="http://schemas.microsoft.com/office/drawing/2014/main" id="{2AD7CC70-440B-4245-9074-D9AB0126BA8F}"/>
+              </a:ext>
+            </a:extLst>
+          </p:cNvPr>
+          <p:cNvSpPr txBox="1"/>
+          <p:nvPr/>
+        </p:nvSpPr>
+        <p:spPr>
+          <a:xfrm>
+            <a:off x="6778446" y="994395"/>
+            <a:ext cx="3117759" cy="830997"/>
+          </a:xfrm>
+          <a:prstGeom prst="rect">
+            <a:avLst/>
+          </a:prstGeom>
+          <a:noFill/>
+        </p:spPr>
+        <p:txBody>
+          <a:bodyPr wrap="square" rtlCol="0">
+            <a:spAutoFit/>
+          </a:bodyPr>
+          <a:lstStyle/>
+          <a:p>
+            <a:r>
+              <a:rPr lang="hu-HU" sz="1600" dirty="0"/>
+              <a:t>In-Out portok, </a:t>
+            </a:r>
+            <a:r>
+              <a:rPr lang="hu-HU" sz="1600" dirty="0" err="1"/>
+              <a:t>pl</a:t>
+            </a:r>
+            <a:r>
+              <a:rPr lang="hu-HU" sz="1600" dirty="0"/>
+              <a:t> az üres interfészre, amit szintén át kellett dolgozni kicsit</a:t>
+            </a:r>
+          </a:p>
+        </p:txBody>
+      </p:sp>
     </p:spTree>
     <p:extLst>
       <p:ext uri="{BB962C8B-B14F-4D97-AF65-F5344CB8AC3E}">
@@ -4707,6 +4975,383 @@
     <p:extLst>
       <p:ext uri="{BB962C8B-B14F-4D97-AF65-F5344CB8AC3E}">
         <p14:creationId xmlns:p14="http://schemas.microsoft.com/office/powerpoint/2010/main" val="4016503901"/>
+      </p:ext>
+    </p:extLst>
+  </p:cSld>
+  <p:clrMapOvr>
+    <a:masterClrMapping/>
+  </p:clrMapOvr>
+</p:sld>
+</file>
+
+<file path=ppt/slides/slide5.xml><?xml version="1.0" encoding="utf-8"?>
+<p:sld xmlns:a="http://schemas.openxmlformats.org/drawingml/2006/main" xmlns:r="http://schemas.openxmlformats.org/officeDocument/2006/relationships" xmlns:p="http://schemas.openxmlformats.org/presentationml/2006/main">
+  <p:cSld>
+    <p:spTree>
+      <p:nvGrpSpPr>
+        <p:cNvPr id="1" name=""/>
+        <p:cNvGrpSpPr/>
+        <p:nvPr/>
+      </p:nvGrpSpPr>
+      <p:grpSpPr>
+        <a:xfrm>
+          <a:off x="0" y="0"/>
+          <a:ext cx="0" cy="0"/>
+          <a:chOff x="0" y="0"/>
+          <a:chExt cx="0" cy="0"/>
+        </a:xfrm>
+      </p:grpSpPr>
+      <p:sp>
+        <p:nvSpPr>
+          <p:cNvPr id="2" name="Cím 1">
+            <a:extLst>
+              <a:ext uri="{FF2B5EF4-FFF2-40B4-BE49-F238E27FC236}">
+                <a16:creationId xmlns:a16="http://schemas.microsoft.com/office/drawing/2014/main" id="{97FB7430-A5FB-4D86-BCD9-FEAE5CF5A31F}"/>
+              </a:ext>
+            </a:extLst>
+          </p:cNvPr>
+          <p:cNvSpPr>
+            <a:spLocks noGrp="1"/>
+          </p:cNvSpPr>
+          <p:nvPr>
+            <p:ph type="title"/>
+          </p:nvPr>
+        </p:nvSpPr>
+        <p:spPr/>
+        <p:txBody>
+          <a:bodyPr/>
+          <a:lstStyle/>
+          <a:p>
+            <a:pPr algn="ctr"/>
+            <a:r>
+              <a:rPr lang="hu-HU" dirty="0" err="1"/>
+              <a:t>Send</a:t>
+            </a:r>
+            <a:r>
+              <a:rPr lang="hu-HU" dirty="0"/>
+              <a:t> megvalósítása UML-ben</a:t>
+            </a:r>
+          </a:p>
+        </p:txBody>
+      </p:sp>
+      <p:sp>
+        <p:nvSpPr>
+          <p:cNvPr id="3" name="Tartalom helye 2">
+            <a:extLst>
+              <a:ext uri="{FF2B5EF4-FFF2-40B4-BE49-F238E27FC236}">
+                <a16:creationId xmlns:a16="http://schemas.microsoft.com/office/drawing/2014/main" id="{FF562E1C-DA0F-4FBB-89D7-F1B9E2D85A93}"/>
+              </a:ext>
+            </a:extLst>
+          </p:cNvPr>
+          <p:cNvSpPr>
+            <a:spLocks noGrp="1"/>
+          </p:cNvSpPr>
+          <p:nvPr>
+            <p:ph idx="1"/>
+          </p:nvPr>
+        </p:nvSpPr>
+        <p:spPr/>
+        <p:txBody>
+          <a:bodyPr/>
+          <a:lstStyle/>
+          <a:p>
+            <a:r>
+              <a:rPr lang="hu-HU" dirty="0"/>
+              <a:t>Jelenleg a legegyszerűbb megoldás van implementálva, amely kihasználja, hogy a port egy </a:t>
+            </a:r>
+            <a:r>
+              <a:rPr lang="hu-HU" dirty="0" err="1"/>
+              <a:t>property</a:t>
+            </a:r>
+            <a:r>
+              <a:rPr lang="hu-HU" dirty="0"/>
+              <a:t>, így  lehet a </a:t>
+            </a:r>
+            <a:r>
+              <a:rPr lang="hu-HU" dirty="0" err="1"/>
+              <a:t>send</a:t>
+            </a:r>
+            <a:r>
+              <a:rPr lang="hu-HU" dirty="0"/>
+              <a:t> </a:t>
+            </a:r>
+            <a:r>
+              <a:rPr lang="hu-HU" dirty="0" err="1"/>
+              <a:t>object</a:t>
+            </a:r>
+            <a:r>
+              <a:rPr lang="hu-HU" dirty="0"/>
+              <a:t> akció </a:t>
+            </a:r>
+            <a:r>
+              <a:rPr lang="hu-HU" dirty="0" err="1"/>
+              <a:t>targetje</a:t>
+            </a:r>
+            <a:r>
+              <a:rPr lang="hu-HU" dirty="0"/>
+              <a:t>. </a:t>
+            </a:r>
+          </a:p>
+          <a:p>
+            <a:r>
+              <a:rPr lang="hu-HU" dirty="0"/>
+              <a:t>Mivel olyan szignált küldhetünk egy </a:t>
+            </a:r>
+            <a:r>
+              <a:rPr lang="hu-HU" dirty="0" err="1"/>
+              <a:t>portnak</a:t>
+            </a:r>
+            <a:r>
+              <a:rPr lang="hu-HU" dirty="0"/>
+              <a:t>, ami a </a:t>
+            </a:r>
+            <a:r>
+              <a:rPr lang="hu-HU" dirty="0" err="1"/>
+              <a:t>required</a:t>
+            </a:r>
+            <a:r>
+              <a:rPr lang="hu-HU" dirty="0"/>
+              <a:t> interfészen van, így nem hívhatjuk meg a </a:t>
+            </a:r>
+            <a:r>
+              <a:rPr lang="hu-HU" dirty="0" err="1"/>
+              <a:t>required</a:t>
+            </a:r>
+            <a:r>
+              <a:rPr lang="hu-HU" dirty="0"/>
+              <a:t> interfész receptiönjét a </a:t>
+            </a:r>
+            <a:r>
+              <a:rPr lang="hu-HU" dirty="0" err="1"/>
+              <a:t>porton</a:t>
+            </a:r>
+            <a:r>
+              <a:rPr lang="hu-HU" dirty="0"/>
+              <a:t> az adott szignállal, mivel UML-ben nem típusa ez az interfész.</a:t>
+            </a:r>
+          </a:p>
+          <a:p>
+            <a:r>
+              <a:rPr lang="hu-HU" dirty="0"/>
+              <a:t>Valószínűleg a </a:t>
+            </a:r>
+            <a:r>
+              <a:rPr lang="hu-HU" dirty="0" err="1"/>
+              <a:t>sendOnPort</a:t>
+            </a:r>
+            <a:r>
+              <a:rPr lang="hu-HU" dirty="0"/>
+              <a:t> tulajdonságot kéne kihasználni a </a:t>
+            </a:r>
+            <a:r>
+              <a:rPr lang="hu-HU" dirty="0" err="1"/>
+              <a:t>send</a:t>
+            </a:r>
+            <a:r>
+              <a:rPr lang="hu-HU" dirty="0"/>
+              <a:t> </a:t>
+            </a:r>
+            <a:r>
+              <a:rPr lang="hu-HU" dirty="0" err="1"/>
+              <a:t>object</a:t>
+            </a:r>
+            <a:r>
+              <a:rPr lang="hu-HU" dirty="0"/>
+              <a:t> </a:t>
+            </a:r>
+            <a:r>
+              <a:rPr lang="hu-HU" dirty="0" err="1"/>
+              <a:t>action</a:t>
+            </a:r>
+            <a:r>
+              <a:rPr lang="hu-HU" dirty="0"/>
+              <a:t> esetén. </a:t>
+            </a:r>
+          </a:p>
+        </p:txBody>
+      </p:sp>
+    </p:spTree>
+    <p:extLst>
+      <p:ext uri="{BB962C8B-B14F-4D97-AF65-F5344CB8AC3E}">
+        <p14:creationId xmlns:p14="http://schemas.microsoft.com/office/powerpoint/2010/main" val="2886681914"/>
+      </p:ext>
+    </p:extLst>
+  </p:cSld>
+  <p:clrMapOvr>
+    <a:masterClrMapping/>
+  </p:clrMapOvr>
+</p:sld>
+</file>
+
+<file path=ppt/slides/slide6.xml><?xml version="1.0" encoding="utf-8"?>
+<p:sld xmlns:a="http://schemas.openxmlformats.org/drawingml/2006/main" xmlns:r="http://schemas.openxmlformats.org/officeDocument/2006/relationships" xmlns:p="http://schemas.openxmlformats.org/presentationml/2006/main">
+  <p:cSld>
+    <p:spTree>
+      <p:nvGrpSpPr>
+        <p:cNvPr id="1" name=""/>
+        <p:cNvGrpSpPr/>
+        <p:nvPr/>
+      </p:nvGrpSpPr>
+      <p:grpSpPr>
+        <a:xfrm>
+          <a:off x="0" y="0"/>
+          <a:ext cx="0" cy="0"/>
+          <a:chOff x="0" y="0"/>
+          <a:chExt cx="0" cy="0"/>
+        </a:xfrm>
+      </p:grpSpPr>
+      <p:sp>
+        <p:nvSpPr>
+          <p:cNvPr id="2" name="Cím 1">
+            <a:extLst>
+              <a:ext uri="{FF2B5EF4-FFF2-40B4-BE49-F238E27FC236}">
+                <a16:creationId xmlns:a16="http://schemas.microsoft.com/office/drawing/2014/main" id="{B6A2AE52-C132-47CD-B340-3E2098814EF9}"/>
+              </a:ext>
+            </a:extLst>
+          </p:cNvPr>
+          <p:cNvSpPr>
+            <a:spLocks noGrp="1"/>
+          </p:cNvSpPr>
+          <p:nvPr>
+            <p:ph type="title"/>
+          </p:nvPr>
+        </p:nvSpPr>
+        <p:spPr/>
+        <p:txBody>
+          <a:bodyPr/>
+          <a:lstStyle/>
+          <a:p>
+            <a:pPr algn="ctr"/>
+            <a:r>
+              <a:rPr lang="hu-HU" dirty="0" err="1"/>
+              <a:t>Send</a:t>
+            </a:r>
+            <a:r>
+              <a:rPr lang="hu-HU" dirty="0"/>
+              <a:t> megvalósítása generált kódban</a:t>
+            </a:r>
+          </a:p>
+        </p:txBody>
+      </p:sp>
+      <p:sp>
+        <p:nvSpPr>
+          <p:cNvPr id="3" name="Tartalom helye 2">
+            <a:extLst>
+              <a:ext uri="{FF2B5EF4-FFF2-40B4-BE49-F238E27FC236}">
+                <a16:creationId xmlns:a16="http://schemas.microsoft.com/office/drawing/2014/main" id="{9BD3A266-EDB1-47AD-993A-12BC118333DE}"/>
+              </a:ext>
+            </a:extLst>
+          </p:cNvPr>
+          <p:cNvSpPr>
+            <a:spLocks noGrp="1"/>
+          </p:cNvSpPr>
+          <p:nvPr>
+            <p:ph idx="1"/>
+          </p:nvPr>
+        </p:nvSpPr>
+        <p:spPr/>
+        <p:txBody>
+          <a:bodyPr/>
+          <a:lstStyle/>
+          <a:p>
+            <a:r>
+              <a:rPr lang="hu-HU" dirty="0"/>
+              <a:t>Generált kódban már fel van </a:t>
+            </a:r>
+            <a:r>
+              <a:rPr lang="hu-HU" dirty="0" err="1"/>
+              <a:t>típusozva</a:t>
+            </a:r>
+            <a:r>
+              <a:rPr lang="hu-HU" dirty="0"/>
+              <a:t> az adott port a </a:t>
+            </a:r>
+            <a:r>
+              <a:rPr lang="hu-HU" dirty="0" err="1"/>
+              <a:t>required</a:t>
+            </a:r>
+            <a:r>
+              <a:rPr lang="hu-HU" dirty="0"/>
+              <a:t> interfésszel, így  a </a:t>
+            </a:r>
+            <a:r>
+              <a:rPr lang="hu-HU" dirty="0" err="1"/>
+              <a:t>send</a:t>
+            </a:r>
+            <a:r>
+              <a:rPr lang="hu-HU" dirty="0"/>
+              <a:t> gond nélkül megvalósítható.</a:t>
+            </a:r>
+          </a:p>
+          <a:p>
+            <a:r>
+              <a:rPr lang="hu-HU" dirty="0"/>
+              <a:t>A </a:t>
+            </a:r>
+            <a:r>
+              <a:rPr lang="hu-HU" dirty="0" err="1"/>
+              <a:t>send</a:t>
+            </a:r>
+            <a:r>
+              <a:rPr lang="hu-HU" dirty="0"/>
+              <a:t> implementáció függő, máshogy viselkedik </a:t>
+            </a:r>
+            <a:r>
+              <a:rPr lang="hu-HU" dirty="0" err="1"/>
+              <a:t>behavior</a:t>
+            </a:r>
+            <a:r>
+              <a:rPr lang="hu-HU" dirty="0"/>
+              <a:t> port és sima port esetén.</a:t>
+            </a:r>
+          </a:p>
+          <a:p>
+            <a:r>
+              <a:rPr lang="hu-HU" dirty="0"/>
+              <a:t>A típushelyességet az biztosítja, hogy minden interfész </a:t>
+            </a:r>
+            <a:r>
+              <a:rPr lang="hu-HU" dirty="0" err="1"/>
+              <a:t>required</a:t>
+            </a:r>
+            <a:r>
+              <a:rPr lang="hu-HU" dirty="0"/>
+              <a:t> partjához annyi </a:t>
+            </a:r>
+            <a:r>
+              <a:rPr lang="hu-HU" dirty="0" err="1"/>
+              <a:t>send</a:t>
+            </a:r>
+            <a:r>
+              <a:rPr lang="hu-HU" dirty="0"/>
+              <a:t> műveletet generálunk, ahány receptiönje van, túlterheljük a különböző típusú szignálokkal.</a:t>
+            </a:r>
+          </a:p>
+          <a:p>
+            <a:r>
+              <a:rPr lang="hu-HU" dirty="0"/>
+              <a:t>Annak idején ez tűnt a legelegánsabb megoldásoknak, de lehetne az UML reprezentációhoz közelebbi megoldást is kitalálni (in </a:t>
+            </a:r>
+            <a:r>
+              <a:rPr lang="hu-HU" dirty="0" err="1"/>
+              <a:t>progress</a:t>
+            </a:r>
+            <a:r>
+              <a:rPr lang="hu-HU" dirty="0"/>
+              <a:t>, ahogy lesz </a:t>
+            </a:r>
+            <a:r>
+              <a:rPr lang="hu-HU"/>
+              <a:t>rá idő..)</a:t>
+            </a:r>
+            <a:endParaRPr lang="hu-HU" dirty="0"/>
+          </a:p>
+        </p:txBody>
+      </p:sp>
+    </p:spTree>
+    <p:extLst>
+      <p:ext uri="{BB962C8B-B14F-4D97-AF65-F5344CB8AC3E}">
+        <p14:creationId xmlns:p14="http://schemas.microsoft.com/office/powerpoint/2010/main" val="71704708"/>
       </p:ext>
     </p:extLst>
   </p:cSld>

--- a/port_versions/ping-pong-demo.pptx
+++ b/port_versions/ping-pong-demo.pptx
@@ -268,7 +268,7 @@
           <a:p>
             <a:fld id="{430E6126-3021-42AB-82F0-0A73F9DC5566}" type="datetimeFigureOut">
               <a:rPr lang="hu-HU" smtClean="0"/>
-              <a:t>2018. 01. 15.</a:t>
+              <a:t>2018.01.16.</a:t>
             </a:fld>
             <a:endParaRPr lang="hu-HU"/>
           </a:p>
@@ -466,7 +466,7 @@
           <a:p>
             <a:fld id="{430E6126-3021-42AB-82F0-0A73F9DC5566}" type="datetimeFigureOut">
               <a:rPr lang="hu-HU" smtClean="0"/>
-              <a:t>2018. 01. 15.</a:t>
+              <a:t>2018.01.16.</a:t>
             </a:fld>
             <a:endParaRPr lang="hu-HU"/>
           </a:p>
@@ -674,7 +674,7 @@
           <a:p>
             <a:fld id="{430E6126-3021-42AB-82F0-0A73F9DC5566}" type="datetimeFigureOut">
               <a:rPr lang="hu-HU" smtClean="0"/>
-              <a:t>2018. 01. 15.</a:t>
+              <a:t>2018.01.16.</a:t>
             </a:fld>
             <a:endParaRPr lang="hu-HU"/>
           </a:p>
@@ -872,7 +872,7 @@
           <a:p>
             <a:fld id="{430E6126-3021-42AB-82F0-0A73F9DC5566}" type="datetimeFigureOut">
               <a:rPr lang="hu-HU" smtClean="0"/>
-              <a:t>2018. 01. 15.</a:t>
+              <a:t>2018.01.16.</a:t>
             </a:fld>
             <a:endParaRPr lang="hu-HU"/>
           </a:p>
@@ -1147,7 +1147,7 @@
           <a:p>
             <a:fld id="{430E6126-3021-42AB-82F0-0A73F9DC5566}" type="datetimeFigureOut">
               <a:rPr lang="hu-HU" smtClean="0"/>
-              <a:t>2018. 01. 15.</a:t>
+              <a:t>2018.01.16.</a:t>
             </a:fld>
             <a:endParaRPr lang="hu-HU"/>
           </a:p>
@@ -1412,7 +1412,7 @@
           <a:p>
             <a:fld id="{430E6126-3021-42AB-82F0-0A73F9DC5566}" type="datetimeFigureOut">
               <a:rPr lang="hu-HU" smtClean="0"/>
-              <a:t>2018. 01. 15.</a:t>
+              <a:t>2018.01.16.</a:t>
             </a:fld>
             <a:endParaRPr lang="hu-HU"/>
           </a:p>
@@ -1824,7 +1824,7 @@
           <a:p>
             <a:fld id="{430E6126-3021-42AB-82F0-0A73F9DC5566}" type="datetimeFigureOut">
               <a:rPr lang="hu-HU" smtClean="0"/>
-              <a:t>2018. 01. 15.</a:t>
+              <a:t>2018.01.16.</a:t>
             </a:fld>
             <a:endParaRPr lang="hu-HU"/>
           </a:p>
@@ -1965,7 +1965,7 @@
           <a:p>
             <a:fld id="{430E6126-3021-42AB-82F0-0A73F9DC5566}" type="datetimeFigureOut">
               <a:rPr lang="hu-HU" smtClean="0"/>
-              <a:t>2018. 01. 15.</a:t>
+              <a:t>2018.01.16.</a:t>
             </a:fld>
             <a:endParaRPr lang="hu-HU"/>
           </a:p>
@@ -2078,7 +2078,7 @@
           <a:p>
             <a:fld id="{430E6126-3021-42AB-82F0-0A73F9DC5566}" type="datetimeFigureOut">
               <a:rPr lang="hu-HU" smtClean="0"/>
-              <a:t>2018. 01. 15.</a:t>
+              <a:t>2018.01.16.</a:t>
             </a:fld>
             <a:endParaRPr lang="hu-HU"/>
           </a:p>
@@ -2389,7 +2389,7 @@
           <a:p>
             <a:fld id="{430E6126-3021-42AB-82F0-0A73F9DC5566}" type="datetimeFigureOut">
               <a:rPr lang="hu-HU" smtClean="0"/>
-              <a:t>2018. 01. 15.</a:t>
+              <a:t>2018.01.16.</a:t>
             </a:fld>
             <a:endParaRPr lang="hu-HU"/>
           </a:p>
@@ -2677,7 +2677,7 @@
           <a:p>
             <a:fld id="{430E6126-3021-42AB-82F0-0A73F9DC5566}" type="datetimeFigureOut">
               <a:rPr lang="hu-HU" smtClean="0"/>
-              <a:t>2018. 01. 15.</a:t>
+              <a:t>2018.01.16.</a:t>
             </a:fld>
             <a:endParaRPr lang="hu-HU"/>
           </a:p>
@@ -2918,7 +2918,7 @@
           <a:p>
             <a:fld id="{430E6126-3021-42AB-82F0-0A73F9DC5566}" type="datetimeFigureOut">
               <a:rPr lang="hu-HU" smtClean="0"/>
-              <a:t>2018. 01. 15.</a:t>
+              <a:t>2018.01.16.</a:t>
             </a:fld>
             <a:endParaRPr lang="hu-HU"/>
           </a:p>
@@ -4656,31 +4656,15 @@
           <a:p>
             <a:r>
               <a:rPr lang="hu-HU" dirty="0"/>
-              <a:t>A </a:t>
-            </a:r>
-            <a:r>
-              <a:rPr lang="hu-HU" dirty="0" err="1"/>
-              <a:t>connectorokhoz</a:t>
-            </a:r>
-            <a:r>
-              <a:rPr lang="hu-HU" dirty="0"/>
-              <a:t> asszociációkat generálunk, mellyel fel tudjuk </a:t>
-            </a:r>
-            <a:r>
-              <a:rPr lang="hu-HU" dirty="0" err="1"/>
-              <a:t>típusozni</a:t>
-            </a:r>
-            <a:r>
-              <a:rPr lang="hu-HU" dirty="0"/>
-              <a:t> az adott </a:t>
-            </a:r>
-            <a:r>
-              <a:rPr lang="hu-HU" dirty="0" err="1"/>
-              <a:t>connectort</a:t>
-            </a:r>
-            <a:r>
-              <a:rPr lang="hu-HU" dirty="0"/>
-              <a:t>.</a:t>
+              <a:t>A connectorokhoz asszociációkat generálunk, mellyel fel tudjuk </a:t>
+            </a:r>
+            <a:r>
+              <a:rPr lang="hu-HU" dirty="0" smtClean="0"/>
+              <a:t>tipusozni </a:t>
+            </a:r>
+            <a:r>
+              <a:rPr lang="hu-HU" dirty="0"/>
+              <a:t>az adott connectort.</a:t>
             </a:r>
           </a:p>
           <a:p>
@@ -4915,58 +4899,30 @@
           </a:p>
           <a:p>
             <a:r>
-              <a:rPr lang="hu-HU" dirty="0" err="1"/>
-              <a:t>Delegate</a:t>
-            </a:r>
-            <a:r>
-              <a:rPr lang="hu-HU" dirty="0"/>
-              <a:t> </a:t>
-            </a:r>
-            <a:r>
-              <a:rPr lang="hu-HU" dirty="0" err="1"/>
-              <a:t>connect</a:t>
-            </a:r>
-            <a:r>
-              <a:rPr lang="hu-HU" dirty="0"/>
-              <a:t> esetén azonos típusú interfészeket kötök össze, így itt további </a:t>
-            </a:r>
-            <a:r>
-              <a:rPr lang="hu-HU" dirty="0" err="1"/>
-              <a:t>trükközésre</a:t>
-            </a:r>
-            <a:r>
-              <a:rPr lang="hu-HU" dirty="0"/>
-              <a:t> van szükség, hogy kinyerjem a szolgáltatott interfészt.</a:t>
-            </a:r>
-          </a:p>
-          <a:p>
-            <a:r>
-              <a:rPr lang="hu-HU" dirty="0"/>
-              <a:t>A végpontokat csak a </a:t>
-            </a:r>
-            <a:r>
-              <a:rPr lang="hu-HU" dirty="0" err="1"/>
-              <a:t>required-provided</a:t>
-            </a:r>
-            <a:r>
-              <a:rPr lang="hu-HU" dirty="0"/>
-              <a:t> típushelyesség ellenőrzésére használom fel, ami kódgenerálás esetén </a:t>
-            </a:r>
-            <a:r>
-              <a:rPr lang="hu-HU" dirty="0" err="1"/>
-              <a:t>elegednő</a:t>
-            </a:r>
-            <a:r>
-              <a:rPr lang="hu-HU" dirty="0"/>
-              <a:t> (mivel ott feltesszük, hogy a modell helyes), de felhasználó által írt kódnál nem feltétlenül, könnyű </a:t>
-            </a:r>
-            <a:r>
-              <a:rPr lang="hu-HU" dirty="0" err="1"/>
-              <a:t>megheckelni</a:t>
-            </a:r>
-            <a:r>
-              <a:rPr lang="hu-HU" dirty="0"/>
-              <a:t>. (Ezért is kéne a kapcsolatokat egységesen kezelni, de ez egy nagyobb munka lenne..)</a:t>
+              <a:rPr lang="hu-HU" dirty="0"/>
+              <a:t>Delegate connect esetén azonos típusú interfészeket kötök össze, így itt további </a:t>
+            </a:r>
+            <a:r>
+              <a:rPr lang="hu-HU" dirty="0" smtClean="0"/>
+              <a:t>trükközésre </a:t>
+            </a:r>
+            <a:r>
+              <a:rPr lang="hu-HU" dirty="0"/>
+              <a:t>van szükség, hogy kinyerjem a szolgáltatott interfészt.</a:t>
+            </a:r>
+          </a:p>
+          <a:p>
+            <a:r>
+              <a:rPr lang="hu-HU" dirty="0"/>
+              <a:t>A végpontokat csak a required-provided típushelyesség ellenőrzésére használom fel, ami kódgenerálás esetén </a:t>
+            </a:r>
+            <a:r>
+              <a:rPr lang="hu-HU" dirty="0" smtClean="0"/>
+              <a:t>elegendő </a:t>
+            </a:r>
+            <a:r>
+              <a:rPr lang="hu-HU" dirty="0"/>
+              <a:t>(mivel ott feltesszük, hogy a modell helyes), de felhasználó által írt kódnál nem feltétlenül, könnyű megheckelni. (Ezért is kéne a kapcsolatokat egységesen kezelni, de ez egy nagyobb munka lenne..)</a:t>
             </a:r>
           </a:p>
         </p:txBody>
@@ -5259,12 +5215,40 @@
               <a:t>Generált kódban már fel van </a:t>
             </a:r>
             <a:r>
+              <a:rPr lang="hu-HU" dirty="0" smtClean="0"/>
+              <a:t>tipusozva </a:t>
+            </a:r>
+            <a:r>
+              <a:rPr lang="hu-HU" dirty="0"/>
+              <a:t>az adott port a required interfésszel, így  a send gond nélkül megvalósítható.</a:t>
+            </a:r>
+          </a:p>
+          <a:p>
+            <a:r>
+              <a:rPr lang="hu-HU" dirty="0"/>
+              <a:t>A </a:t>
+            </a:r>
+            <a:r>
               <a:rPr lang="hu-HU" dirty="0" err="1"/>
-              <a:t>típusozva</a:t>
-            </a:r>
-            <a:r>
-              <a:rPr lang="hu-HU" dirty="0"/>
-              <a:t> az adott port a </a:t>
+              <a:t>send</a:t>
+            </a:r>
+            <a:r>
+              <a:rPr lang="hu-HU" dirty="0"/>
+              <a:t> implementáció függő, máshogy viselkedik </a:t>
+            </a:r>
+            <a:r>
+              <a:rPr lang="hu-HU" dirty="0" err="1"/>
+              <a:t>behavior</a:t>
+            </a:r>
+            <a:r>
+              <a:rPr lang="hu-HU" dirty="0"/>
+              <a:t> port és sima port esetén.</a:t>
+            </a:r>
+          </a:p>
+          <a:p>
+            <a:r>
+              <a:rPr lang="hu-HU" dirty="0"/>
+              <a:t>A típushelyességet az biztosítja, hogy minden interfész </a:t>
             </a:r>
             <a:r>
               <a:rPr lang="hu-HU" dirty="0" err="1"/>
@@ -5272,7 +5256,7 @@
             </a:r>
             <a:r>
               <a:rPr lang="hu-HU" dirty="0"/>
-              <a:t> interfésszel, így  a </a:t>
+              <a:t> partjához annyi </a:t>
             </a:r>
             <a:r>
               <a:rPr lang="hu-HU" dirty="0" err="1"/>
@@ -5280,71 +5264,14 @@
             </a:r>
             <a:r>
               <a:rPr lang="hu-HU" dirty="0"/>
-              <a:t> gond nélkül megvalósítható.</a:t>
-            </a:r>
-          </a:p>
-          <a:p>
-            <a:r>
-              <a:rPr lang="hu-HU" dirty="0"/>
-              <a:t>A </a:t>
-            </a:r>
-            <a:r>
-              <a:rPr lang="hu-HU" dirty="0" err="1"/>
-              <a:t>send</a:t>
-            </a:r>
-            <a:r>
-              <a:rPr lang="hu-HU" dirty="0"/>
-              <a:t> implementáció függő, máshogy viselkedik </a:t>
-            </a:r>
-            <a:r>
-              <a:rPr lang="hu-HU" dirty="0" err="1"/>
-              <a:t>behavior</a:t>
-            </a:r>
-            <a:r>
-              <a:rPr lang="hu-HU" dirty="0"/>
-              <a:t> port és sima port esetén.</a:t>
-            </a:r>
-          </a:p>
-          <a:p>
-            <a:r>
-              <a:rPr lang="hu-HU" dirty="0"/>
-              <a:t>A típushelyességet az biztosítja, hogy minden interfész </a:t>
-            </a:r>
-            <a:r>
-              <a:rPr lang="hu-HU" dirty="0" err="1"/>
-              <a:t>required</a:t>
-            </a:r>
-            <a:r>
-              <a:rPr lang="hu-HU" dirty="0"/>
-              <a:t> partjához annyi </a:t>
-            </a:r>
-            <a:r>
-              <a:rPr lang="hu-HU" dirty="0" err="1"/>
-              <a:t>send</a:t>
-            </a:r>
-            <a:r>
-              <a:rPr lang="hu-HU" dirty="0"/>
               <a:t> műveletet generálunk, ahány receptiönje van, túlterheljük a különböző típusú szignálokkal.</a:t>
             </a:r>
           </a:p>
           <a:p>
             <a:r>
               <a:rPr lang="hu-HU" dirty="0"/>
-              <a:t>Annak idején ez tűnt a legelegánsabb megoldásoknak, de lehetne az UML reprezentációhoz közelebbi megoldást is kitalálni (in </a:t>
-            </a:r>
-            <a:r>
-              <a:rPr lang="hu-HU" dirty="0" err="1"/>
-              <a:t>progress</a:t>
-            </a:r>
-            <a:r>
-              <a:rPr lang="hu-HU" dirty="0"/>
-              <a:t>, ahogy lesz </a:t>
-            </a:r>
-            <a:r>
-              <a:rPr lang="hu-HU"/>
-              <a:t>rá idő..)</a:t>
-            </a:r>
-            <a:endParaRPr lang="hu-HU" dirty="0"/>
+              <a:t>Annak idején ez tűnt a legelegánsabb megoldásoknak, de lehetne az UML reprezentációhoz közelebbi megoldást is kitalálni (in progress, ahogy lesz rá idő..)</a:t>
+            </a:r>
           </a:p>
         </p:txBody>
       </p:sp>
